--- a/doc/images/z_array.pptx
+++ b/doc/images/z_array.pptx
@@ -12629,7 +12629,7 @@
               <a:buNone/>
             </a:pPr>
             <a:r>
-              <a:rPr b="1" i="0" lang="en-US" sz="3200" u="none" cap="none" strike="noStrike">
+              <a:rPr b="1" lang="en-US" sz="3200">
                 <a:solidFill>
                   <a:srgbClr val="0076B9"/>
                 </a:solidFill>
@@ -12638,7 +12638,7 @@
                 <a:cs typeface="Helvetica Neue"/>
                 <a:sym typeface="Helvetica Neue"/>
               </a:rPr>
-              <a:t>x</a:t>
+              <a:t>z</a:t>
             </a:r>
             <a:endParaRPr sz="3200"/>
           </a:p>
@@ -12687,7 +12687,7 @@
               <a:buNone/>
             </a:pPr>
             <a:r>
-              <a:rPr b="1" i="0" lang="en-US" sz="3200" u="none" cap="none" strike="noStrike">
+              <a:rPr b="1" lang="en-US" sz="3200">
                 <a:solidFill>
                   <a:srgbClr val="0076B9"/>
                 </a:solidFill>
@@ -12696,7 +12696,7 @@
                 <a:cs typeface="Helvetica Neue"/>
                 <a:sym typeface="Helvetica Neue"/>
               </a:rPr>
-              <a:t>65534</a:t>
+              <a:t>32766</a:t>
             </a:r>
             <a:endParaRPr sz="3200"/>
           </a:p>
@@ -12754,7 +12754,7 @@
                 <a:cs typeface="Helvetica Neue"/>
                 <a:sym typeface="Helvetica Neue"/>
               </a:rPr>
-              <a:t>x</a:t>
+              <a:t>z</a:t>
             </a:r>
             <a:endParaRPr sz="3200"/>
           </a:p>
@@ -12861,7 +12861,7 @@
               <a:buNone/>
             </a:pPr>
             <a:r>
-              <a:rPr b="1" i="0" lang="en-US" sz="3200" u="none" cap="none" strike="noStrike">
+              <a:rPr b="1" lang="en-US" sz="3200">
                 <a:solidFill>
                   <a:srgbClr val="0076B9"/>
                 </a:solidFill>
@@ -12870,7 +12870,7 @@
                 <a:cs typeface="Helvetica Neue"/>
                 <a:sym typeface="Helvetica Neue"/>
               </a:rPr>
-              <a:t>x</a:t>
+              <a:t>z</a:t>
             </a:r>
             <a:endParaRPr sz="3200"/>
           </a:p>
@@ -12977,7 +12977,7 @@
               <a:buNone/>
             </a:pPr>
             <a:r>
-              <a:rPr b="1" i="0" lang="en-US" sz="3200" u="none" cap="none" strike="noStrike">
+              <a:rPr b="1" lang="en-US" sz="3200">
                 <a:solidFill>
                   <a:srgbClr val="87F84D"/>
                 </a:solidFill>
@@ -12986,7 +12986,7 @@
                 <a:cs typeface="Helvetica Neue"/>
                 <a:sym typeface="Helvetica Neue"/>
               </a:rPr>
-              <a:t>x</a:t>
+              <a:t>z</a:t>
             </a:r>
             <a:endParaRPr sz="3200"/>
           </a:p>
@@ -13093,7 +13093,7 @@
               <a:buNone/>
             </a:pPr>
             <a:r>
-              <a:rPr b="1" i="0" lang="en-US" sz="3200" u="none" cap="none" strike="noStrike">
+              <a:rPr b="1" lang="en-US" sz="3200">
                 <a:solidFill>
                   <a:srgbClr val="0076B9"/>
                 </a:solidFill>
@@ -13102,7 +13102,7 @@
                 <a:cs typeface="Helvetica Neue"/>
                 <a:sym typeface="Helvetica Neue"/>
               </a:rPr>
-              <a:t>x</a:t>
+              <a:t>z</a:t>
             </a:r>
             <a:endParaRPr sz="3200"/>
           </a:p>
@@ -13209,7 +13209,7 @@
               <a:buNone/>
             </a:pPr>
             <a:r>
-              <a:rPr b="1" i="0" lang="en-US" sz="3200" u="none" cap="none" strike="noStrike">
+              <a:rPr b="1" lang="en-US" sz="3200">
                 <a:solidFill>
                   <a:srgbClr val="87F84D"/>
                 </a:solidFill>
@@ -13218,7 +13218,7 @@
                 <a:cs typeface="Helvetica Neue"/>
                 <a:sym typeface="Helvetica Neue"/>
               </a:rPr>
-              <a:t>x</a:t>
+              <a:t>z</a:t>
             </a:r>
             <a:endParaRPr sz="3200"/>
           </a:p>
@@ -13291,7 +13291,7 @@
         <p:spPr>
           <a:xfrm>
             <a:off x="1903633" y="1796278"/>
-            <a:ext cx="342452" cy="801633"/>
+            <a:ext cx="342600" cy="801600"/>
           </a:xfrm>
           <a:prstGeom prst="rect">
             <a:avLst/>
@@ -13325,7 +13325,7 @@
               <a:buNone/>
             </a:pPr>
             <a:r>
-              <a:rPr b="1" i="0" lang="en-US" sz="3200" u="none" cap="none" strike="noStrike">
+              <a:rPr b="1" lang="en-US" sz="3200">
                 <a:solidFill>
                   <a:srgbClr val="EF7001"/>
                 </a:solidFill>
@@ -13334,7 +13334,7 @@
                 <a:cs typeface="Helvetica Neue"/>
                 <a:sym typeface="Helvetica Neue"/>
               </a:rPr>
-              <a:t>x</a:t>
+              <a:t>z</a:t>
             </a:r>
             <a:endParaRPr sz="3200"/>
           </a:p>
@@ -13441,7 +13441,7 @@
               <a:buNone/>
             </a:pPr>
             <a:r>
-              <a:rPr b="1" i="0" lang="en-US" sz="3200" u="none" cap="none" strike="noStrike">
+              <a:rPr b="1" lang="en-US" sz="3200">
                 <a:solidFill>
                   <a:srgbClr val="EB220C"/>
                 </a:solidFill>
@@ -13450,7 +13450,7 @@
                 <a:cs typeface="Helvetica Neue"/>
                 <a:sym typeface="Helvetica Neue"/>
               </a:rPr>
-              <a:t>x</a:t>
+              <a:t>z</a:t>
             </a:r>
             <a:endParaRPr sz="3200"/>
           </a:p>
@@ -13566,7 +13566,7 @@
                 <a:cs typeface="Helvetica Neue"/>
                 <a:sym typeface="Helvetica Neue"/>
               </a:rPr>
-              <a:t>x</a:t>
+              <a:t>z</a:t>
             </a:r>
             <a:endParaRPr sz="3200"/>
           </a:p>
@@ -13673,7 +13673,7 @@
               <a:buNone/>
             </a:pPr>
             <a:r>
-              <a:rPr b="1" i="0" lang="en-US" sz="3200" u="none" cap="none" strike="noStrike">
+              <a:rPr b="1" lang="en-US" sz="3200">
                 <a:solidFill>
                   <a:srgbClr val="EB220C"/>
                 </a:solidFill>
@@ -13682,7 +13682,7 @@
                 <a:cs typeface="Helvetica Neue"/>
                 <a:sym typeface="Helvetica Neue"/>
               </a:rPr>
-              <a:t>x</a:t>
+              <a:t>z</a:t>
             </a:r>
             <a:endParaRPr sz="3200"/>
           </a:p>
@@ -13789,7 +13789,7 @@
               <a:buNone/>
             </a:pPr>
             <a:r>
-              <a:rPr b="1" i="0" lang="en-US" sz="3200" u="none" cap="none" strike="noStrike">
+              <a:rPr b="1" lang="en-US" sz="3200">
                 <a:solidFill>
                   <a:srgbClr val="EF7001"/>
                 </a:solidFill>
@@ -13798,7 +13798,7 @@
                 <a:cs typeface="Helvetica Neue"/>
                 <a:sym typeface="Helvetica Neue"/>
               </a:rPr>
-              <a:t>x</a:t>
+              <a:t>z</a:t>
             </a:r>
             <a:endParaRPr sz="3200"/>
           </a:p>
@@ -13968,7 +13968,7 @@
               <a:buNone/>
             </a:pPr>
             <a:r>
-              <a:rPr b="1" i="0" lang="en-US" sz="3200" u="none" cap="none" strike="noStrike">
+              <a:rPr b="1" lang="en-US" sz="3200">
                 <a:solidFill>
                   <a:srgbClr val="EB220C"/>
                 </a:solidFill>
@@ -13977,7 +13977,7 @@
                 <a:cs typeface="Helvetica Neue"/>
                 <a:sym typeface="Helvetica Neue"/>
               </a:rPr>
-              <a:t>x</a:t>
+              <a:t>z</a:t>
             </a:r>
             <a:endParaRPr sz="3200"/>
           </a:p>
@@ -14026,7 +14026,7 @@
               <a:buNone/>
             </a:pPr>
             <a:r>
-              <a:rPr b="1" i="0" lang="en-US" sz="3200" u="none" cap="none" strike="noStrike">
+              <a:rPr b="1" lang="en-US" sz="3200">
                 <a:solidFill>
                   <a:srgbClr val="EB220C"/>
                 </a:solidFill>
@@ -14035,7 +14035,7 @@
                 <a:cs typeface="Helvetica Neue"/>
                 <a:sym typeface="Helvetica Neue"/>
               </a:rPr>
-              <a:t>65535</a:t>
+              <a:t>32767</a:t>
             </a:r>
             <a:endParaRPr sz="3200"/>
           </a:p>
@@ -14462,7 +14462,7 @@
               <a:buNone/>
             </a:pPr>
             <a:r>
-              <a:rPr b="1" i="0" lang="en-US" sz="3000" u="none" cap="none" strike="noStrike">
+              <a:rPr b="1" lang="en-US" sz="3000">
                 <a:solidFill>
                   <a:srgbClr val="87F84D"/>
                 </a:solidFill>
@@ -14471,7 +14471,7 @@
                 <a:cs typeface="Helvetica Neue"/>
                 <a:sym typeface="Helvetica Neue"/>
               </a:rPr>
-              <a:t>x</a:t>
+              <a:t>z</a:t>
             </a:r>
             <a:endParaRPr sz="3000"/>
           </a:p>
@@ -14922,7 +14922,7 @@
         <p:spPr>
           <a:xfrm>
             <a:off x="22967289" y="6970901"/>
-            <a:ext cx="342452" cy="801633"/>
+            <a:ext cx="342600" cy="801600"/>
           </a:xfrm>
           <a:prstGeom prst="rect">
             <a:avLst/>
@@ -14956,7 +14956,7 @@
               <a:buNone/>
             </a:pPr>
             <a:r>
-              <a:rPr b="1" i="0" lang="en-US" sz="3000" u="none" cap="none" strike="noStrike">
+              <a:rPr b="1" lang="en-US" sz="3000">
                 <a:solidFill>
                   <a:srgbClr val="EF7001"/>
                 </a:solidFill>
@@ -14965,7 +14965,7 @@
                 <a:cs typeface="Helvetica Neue"/>
                 <a:sym typeface="Helvetica Neue"/>
               </a:rPr>
-              <a:t>x</a:t>
+              <a:t>z</a:t>
             </a:r>
             <a:endParaRPr sz="3000"/>
           </a:p>
@@ -15072,7 +15072,7 @@
               <a:buNone/>
             </a:pPr>
             <a:r>
-              <a:rPr b="1" i="0" lang="en-US" sz="3000" u="none" cap="none" strike="noStrike">
+              <a:rPr b="1" lang="en-US" sz="3000">
                 <a:solidFill>
                   <a:srgbClr val="87F84D"/>
                 </a:solidFill>
@@ -15081,7 +15081,7 @@
                 <a:cs typeface="Helvetica Neue"/>
                 <a:sym typeface="Helvetica Neue"/>
               </a:rPr>
-              <a:t>x</a:t>
+              <a:t>z</a:t>
             </a:r>
             <a:endParaRPr sz="3000"/>
           </a:p>
@@ -15188,7 +15188,7 @@
               <a:buNone/>
             </a:pPr>
             <a:r>
-              <a:rPr b="1" i="0" lang="en-US" sz="3000" u="none" cap="none" strike="noStrike">
+              <a:rPr b="1" lang="en-US" sz="3000">
                 <a:solidFill>
                   <a:srgbClr val="87F84D"/>
                 </a:solidFill>
@@ -15197,7 +15197,7 @@
                 <a:cs typeface="Helvetica Neue"/>
                 <a:sym typeface="Helvetica Neue"/>
               </a:rPr>
-              <a:t>x</a:t>
+              <a:t>z</a:t>
             </a:r>
             <a:endParaRPr sz="3000"/>
           </a:p>
@@ -15304,7 +15304,7 @@
               <a:buNone/>
             </a:pPr>
             <a:r>
-              <a:rPr b="1" i="0" lang="en-US" sz="3200" u="none" cap="none" strike="noStrike">
+              <a:rPr b="1" lang="en-US" sz="3200">
                 <a:solidFill>
                   <a:srgbClr val="0076B9"/>
                 </a:solidFill>
@@ -15313,7 +15313,7 @@
                 <a:cs typeface="Helvetica Neue"/>
                 <a:sym typeface="Helvetica Neue"/>
               </a:rPr>
-              <a:t>x</a:t>
+              <a:t>z</a:t>
             </a:r>
             <a:endParaRPr sz="3200"/>
           </a:p>
@@ -15420,7 +15420,7 @@
               <a:buNone/>
             </a:pPr>
             <a:r>
-              <a:rPr b="1" i="0" lang="en-US" sz="3200" u="none" cap="none" strike="noStrike">
+              <a:rPr b="1" lang="en-US" sz="3200">
                 <a:solidFill>
                   <a:srgbClr val="EB220C"/>
                 </a:solidFill>
@@ -15429,7 +15429,7 @@
                 <a:cs typeface="Helvetica Neue"/>
                 <a:sym typeface="Helvetica Neue"/>
               </a:rPr>
-              <a:t>x</a:t>
+              <a:t>z</a:t>
             </a:r>
             <a:endParaRPr sz="3200"/>
           </a:p>
@@ -15914,7 +15914,7 @@
               <a:buNone/>
             </a:pPr>
             <a:r>
-              <a:rPr b="1" i="0" lang="en-US" sz="3000" u="none" cap="none" strike="noStrike">
+              <a:rPr b="1" lang="en-US" sz="3000">
                 <a:solidFill>
                   <a:srgbClr val="0076B9"/>
                 </a:solidFill>
@@ -15923,7 +15923,7 @@
                 <a:cs typeface="Helvetica Neue"/>
                 <a:sym typeface="Helvetica Neue"/>
               </a:rPr>
-              <a:t>x</a:t>
+              <a:t>z</a:t>
             </a:r>
             <a:endParaRPr sz="3000"/>
           </a:p>
@@ -16030,7 +16030,7 @@
               <a:buNone/>
             </a:pPr>
             <a:r>
-              <a:rPr b="1" i="0" lang="en-US" sz="3200" u="none" cap="none" strike="noStrike">
+              <a:rPr b="1" lang="en-US" sz="3200">
                 <a:solidFill>
                   <a:srgbClr val="87F84D"/>
                 </a:solidFill>
@@ -16039,7 +16039,7 @@
                 <a:cs typeface="Helvetica Neue"/>
                 <a:sym typeface="Helvetica Neue"/>
               </a:rPr>
-              <a:t>x</a:t>
+              <a:t>z</a:t>
             </a:r>
             <a:endParaRPr sz="3200"/>
           </a:p>
@@ -16146,7 +16146,7 @@
               <a:buNone/>
             </a:pPr>
             <a:r>
-              <a:rPr b="1" i="0" lang="en-US" sz="3200" u="none" cap="none" strike="noStrike">
+              <a:rPr b="1" lang="en-US" sz="3200">
                 <a:solidFill>
                   <a:srgbClr val="EF7001"/>
                 </a:solidFill>
@@ -16155,7 +16155,7 @@
                 <a:cs typeface="Helvetica Neue"/>
                 <a:sym typeface="Helvetica Neue"/>
               </a:rPr>
-              <a:t>x</a:t>
+              <a:t>z</a:t>
             </a:r>
             <a:endParaRPr sz="3200"/>
           </a:p>
@@ -16640,7 +16640,7 @@
               <a:buNone/>
             </a:pPr>
             <a:r>
-              <a:rPr b="1" i="0" lang="en-US" sz="3000" u="none" cap="none" strike="noStrike">
+              <a:rPr b="1" lang="en-US" sz="3000">
                 <a:solidFill>
                   <a:srgbClr val="EB220C"/>
                 </a:solidFill>
@@ -16649,7 +16649,7 @@
                 <a:cs typeface="Helvetica Neue"/>
                 <a:sym typeface="Helvetica Neue"/>
               </a:rPr>
-              <a:t>x</a:t>
+              <a:t>z</a:t>
             </a:r>
             <a:endParaRPr sz="3000"/>
           </a:p>
@@ -16756,7 +16756,7 @@
               <a:buNone/>
             </a:pPr>
             <a:r>
-              <a:rPr b="1" i="0" lang="en-US" sz="3200" u="none" cap="none" strike="noStrike">
+              <a:rPr b="1" lang="en-US" sz="3200">
                 <a:solidFill>
                   <a:srgbClr val="0076B9"/>
                 </a:solidFill>
@@ -16765,7 +16765,7 @@
                 <a:cs typeface="Helvetica Neue"/>
                 <a:sym typeface="Helvetica Neue"/>
               </a:rPr>
-              <a:t>x</a:t>
+              <a:t>z</a:t>
             </a:r>
             <a:endParaRPr sz="3200"/>
           </a:p>
@@ -16872,7 +16872,7 @@
               <a:buNone/>
             </a:pPr>
             <a:r>
-              <a:rPr b="1" i="0" lang="en-US" sz="3200" u="none" cap="none" strike="noStrike">
+              <a:rPr b="1" lang="en-US" sz="3200">
                 <a:solidFill>
                   <a:srgbClr val="EB220C"/>
                 </a:solidFill>
@@ -16881,7 +16881,7 @@
                 <a:cs typeface="Helvetica Neue"/>
                 <a:sym typeface="Helvetica Neue"/>
               </a:rPr>
-              <a:t>x</a:t>
+              <a:t>z</a:t>
             </a:r>
             <a:endParaRPr sz="3200"/>
           </a:p>
@@ -16988,7 +16988,7 @@
               <a:buNone/>
             </a:pPr>
             <a:r>
-              <a:rPr b="1" i="0" lang="en-US" sz="3000" u="none" cap="none" strike="noStrike">
+              <a:rPr b="1" lang="en-US" sz="3000">
                 <a:solidFill>
                   <a:srgbClr val="87F84D"/>
                 </a:solidFill>
@@ -16997,7 +16997,7 @@
                 <a:cs typeface="Helvetica Neue"/>
                 <a:sym typeface="Helvetica Neue"/>
               </a:rPr>
-              <a:t>x</a:t>
+              <a:t>z</a:t>
             </a:r>
             <a:endParaRPr sz="3000"/>
           </a:p>
@@ -17104,7 +17104,7 @@
               <a:buNone/>
             </a:pPr>
             <a:r>
-              <a:rPr b="1" i="0" lang="en-US" sz="3000" u="none" cap="none" strike="noStrike">
+              <a:rPr b="1" lang="en-US" sz="3000">
                 <a:solidFill>
                   <a:srgbClr val="87F84D"/>
                 </a:solidFill>
@@ -17113,7 +17113,7 @@
                 <a:cs typeface="Helvetica Neue"/>
                 <a:sym typeface="Helvetica Neue"/>
               </a:rPr>
-              <a:t>x</a:t>
+              <a:t>z</a:t>
             </a:r>
             <a:endParaRPr sz="3000"/>
           </a:p>
@@ -17220,7 +17220,7 @@
               <a:buNone/>
             </a:pPr>
             <a:r>
-              <a:rPr b="1" i="0" lang="en-US" sz="3000" u="none" cap="none" strike="noStrike">
+              <a:rPr b="1" lang="en-US" sz="3000">
                 <a:solidFill>
                   <a:srgbClr val="EF7001"/>
                 </a:solidFill>
@@ -17229,7 +17229,7 @@
                 <a:cs typeface="Helvetica Neue"/>
                 <a:sym typeface="Helvetica Neue"/>
               </a:rPr>
-              <a:t>x</a:t>
+              <a:t>z</a:t>
             </a:r>
             <a:endParaRPr sz="3000"/>
           </a:p>
@@ -17336,7 +17336,7 @@
               <a:buNone/>
             </a:pPr>
             <a:r>
-              <a:rPr b="1" i="0" lang="en-US" sz="3000" u="none" cap="none" strike="noStrike">
+              <a:rPr b="1" lang="en-US" sz="3000">
                 <a:solidFill>
                   <a:srgbClr val="EF7001"/>
                 </a:solidFill>
@@ -17345,7 +17345,7 @@
                 <a:cs typeface="Helvetica Neue"/>
                 <a:sym typeface="Helvetica Neue"/>
               </a:rPr>
-              <a:t>x</a:t>
+              <a:t>z</a:t>
             </a:r>
             <a:endParaRPr sz="3000"/>
           </a:p>
@@ -17452,7 +17452,7 @@
               <a:buNone/>
             </a:pPr>
             <a:r>
-              <a:rPr b="1" i="0" lang="en-US" sz="3000" u="none" cap="none" strike="noStrike">
+              <a:rPr b="1" lang="en-US" sz="3000">
                 <a:solidFill>
                   <a:srgbClr val="EF7001"/>
                 </a:solidFill>
@@ -17461,7 +17461,7 @@
                 <a:cs typeface="Helvetica Neue"/>
                 <a:sym typeface="Helvetica Neue"/>
               </a:rPr>
-              <a:t>x</a:t>
+              <a:t>z</a:t>
             </a:r>
             <a:endParaRPr sz="3000"/>
           </a:p>
@@ -17577,7 +17577,7 @@
                 <a:cs typeface="Helvetica Neue"/>
                 <a:sym typeface="Helvetica Neue"/>
               </a:rPr>
-              <a:t>x</a:t>
+              <a:t>z</a:t>
             </a:r>
             <a:endParaRPr sz="3000"/>
           </a:p>
@@ -17684,7 +17684,7 @@
               <a:buNone/>
             </a:pPr>
             <a:r>
-              <a:rPr b="1" i="0" lang="en-US" sz="3000" u="none" cap="none" strike="noStrike">
+              <a:rPr b="1" lang="en-US" sz="3000">
                 <a:solidFill>
                   <a:srgbClr val="0076B9"/>
                 </a:solidFill>
@@ -17693,7 +17693,7 @@
                 <a:cs typeface="Helvetica Neue"/>
                 <a:sym typeface="Helvetica Neue"/>
               </a:rPr>
-              <a:t>x</a:t>
+              <a:t>z</a:t>
             </a:r>
             <a:endParaRPr sz="3000"/>
           </a:p>
@@ -17800,7 +17800,7 @@
               <a:buNone/>
             </a:pPr>
             <a:r>
-              <a:rPr b="1" i="0" lang="en-US" sz="3000" u="none" cap="none" strike="noStrike">
+              <a:rPr b="1" lang="en-US" sz="3000">
                 <a:solidFill>
                   <a:srgbClr val="0076B9"/>
                 </a:solidFill>
@@ -17809,7 +17809,7 @@
                 <a:cs typeface="Helvetica Neue"/>
                 <a:sym typeface="Helvetica Neue"/>
               </a:rPr>
-              <a:t>x</a:t>
+              <a:t>z</a:t>
             </a:r>
             <a:endParaRPr sz="3000"/>
           </a:p>
@@ -17916,7 +17916,7 @@
               <a:buNone/>
             </a:pPr>
             <a:r>
-              <a:rPr b="1" i="0" lang="en-US" sz="3000" u="none" cap="none" strike="noStrike">
+              <a:rPr b="1" lang="en-US" sz="3000">
                 <a:solidFill>
                   <a:srgbClr val="0076B9"/>
                 </a:solidFill>
@@ -17925,7 +17925,7 @@
                 <a:cs typeface="Helvetica Neue"/>
                 <a:sym typeface="Helvetica Neue"/>
               </a:rPr>
-              <a:t>x</a:t>
+              <a:t>z</a:t>
             </a:r>
             <a:endParaRPr sz="3000"/>
           </a:p>
@@ -18032,7 +18032,7 @@
               <a:buNone/>
             </a:pPr>
             <a:r>
-              <a:rPr b="1" i="0" lang="en-US" sz="3000" u="none" cap="none" strike="noStrike">
+              <a:rPr b="1" lang="en-US" sz="3000">
                 <a:solidFill>
                   <a:srgbClr val="0076B9"/>
                 </a:solidFill>
@@ -18041,7 +18041,7 @@
                 <a:cs typeface="Helvetica Neue"/>
                 <a:sym typeface="Helvetica Neue"/>
               </a:rPr>
-              <a:t>X</a:t>
+              <a:t>z</a:t>
             </a:r>
             <a:endParaRPr sz="3000"/>
           </a:p>
@@ -18148,7 +18148,7 @@
               <a:buNone/>
             </a:pPr>
             <a:r>
-              <a:rPr b="1" i="0" lang="en-US" sz="3000" u="none" cap="none" strike="noStrike">
+              <a:rPr b="1" lang="en-US" sz="3000">
                 <a:solidFill>
                   <a:srgbClr val="EB220C"/>
                 </a:solidFill>
@@ -18157,7 +18157,7 @@
                 <a:cs typeface="Helvetica Neue"/>
                 <a:sym typeface="Helvetica Neue"/>
               </a:rPr>
-              <a:t>x</a:t>
+              <a:t>z</a:t>
             </a:r>
             <a:endParaRPr sz="3000"/>
           </a:p>
@@ -18264,7 +18264,7 @@
               <a:buNone/>
             </a:pPr>
             <a:r>
-              <a:rPr b="1" i="0" lang="en-US" sz="3000" u="none" cap="none" strike="noStrike">
+              <a:rPr b="1" lang="en-US" sz="3000">
                 <a:solidFill>
                   <a:srgbClr val="EB220C"/>
                 </a:solidFill>
@@ -18273,7 +18273,7 @@
                 <a:cs typeface="Helvetica Neue"/>
                 <a:sym typeface="Helvetica Neue"/>
               </a:rPr>
-              <a:t>x</a:t>
+              <a:t>z</a:t>
             </a:r>
             <a:endParaRPr sz="3000"/>
           </a:p>
@@ -18380,7 +18380,7 @@
               <a:buNone/>
             </a:pPr>
             <a:r>
-              <a:rPr b="1" i="0" lang="en-US" sz="3000" u="none" cap="none" strike="noStrike">
+              <a:rPr b="1" lang="en-US" sz="3000">
                 <a:solidFill>
                   <a:srgbClr val="EB220C"/>
                 </a:solidFill>
@@ -18389,7 +18389,7 @@
                 <a:cs typeface="Helvetica Neue"/>
                 <a:sym typeface="Helvetica Neue"/>
               </a:rPr>
-              <a:t>x</a:t>
+              <a:t>z</a:t>
             </a:r>
             <a:endParaRPr sz="3000"/>
           </a:p>
@@ -18505,7 +18505,7 @@
                 <a:cs typeface="Helvetica Neue"/>
                 <a:sym typeface="Helvetica Neue"/>
               </a:rPr>
-              <a:t>x</a:t>
+              <a:t>z</a:t>
             </a:r>
             <a:endParaRPr sz="3000"/>
           </a:p>
@@ -19426,7 +19426,7 @@
               <a:t>Initial array </a:t>
             </a:r>
             <a:r>
-              <a:rPr b="0" i="1" lang="en-US" sz="3600" u="none" cap="none" strike="noStrike">
+              <a:rPr i="1" lang="en-US" sz="3600">
                 <a:solidFill>
                   <a:srgbClr val="5E5E5E"/>
                 </a:solidFill>
@@ -19435,7 +19435,7 @@
                 <a:cs typeface="Helvetica Neue"/>
                 <a:sym typeface="Helvetica Neue"/>
               </a:rPr>
-              <a:t>x</a:t>
+              <a:t>z</a:t>
             </a:r>
             <a:r>
               <a:rPr b="0" i="0" lang="en-US" sz="3600" u="none" cap="none" strike="noStrike">
@@ -19459,43 +19459,7 @@
                 <a:cs typeface="Helvetica Neue"/>
                 <a:sym typeface="Helvetica Neue"/>
               </a:rPr>
-              <a:t>2N</a:t>
-            </a:r>
-            <a:r>
-              <a:rPr b="0" i="0" lang="en-US" sz="3600" u="none" cap="none" strike="noStrike">
-                <a:solidFill>
-                  <a:srgbClr val="5E5E5E"/>
-                </a:solidFill>
-                <a:latin typeface="Helvetica Neue"/>
-                <a:ea typeface="Helvetica Neue"/>
-                <a:cs typeface="Helvetica Neue"/>
-                <a:sym typeface="Helvetica Neue"/>
-              </a:rPr>
-              <a:t> (</a:t>
-            </a:r>
-            <a:r>
-              <a:rPr b="0" i="1" lang="en-US" sz="3600" u="none" cap="none" strike="noStrike">
-                <a:solidFill>
-                  <a:srgbClr val="5E5E5E"/>
-                </a:solidFill>
-                <a:latin typeface="Helvetica Neue"/>
-                <a:ea typeface="Helvetica Neue"/>
-                <a:cs typeface="Helvetica Neue"/>
-                <a:sym typeface="Helvetica Neue"/>
-              </a:rPr>
               <a:t>N = 32768</a:t>
-            </a:r>
-            <a:r>
-              <a:rPr b="0" i="0" lang="en-US" sz="3600" u="none" cap="none" strike="noStrike">
-                <a:solidFill>
-                  <a:srgbClr val="5E5E5E"/>
-                </a:solidFill>
-                <a:latin typeface="Helvetica Neue"/>
-                <a:ea typeface="Helvetica Neue"/>
-                <a:cs typeface="Helvetica Neue"/>
-                <a:sym typeface="Helvetica Neue"/>
-              </a:rPr>
-              <a:t>)</a:t>
             </a:r>
             <a:endParaRPr sz="2700"/>
           </a:p>

--- a/doc/images/z_array.pptx
+++ b/doc/images/z_array.pptx
@@ -19447,7 +19447,31 @@
                 <a:cs typeface="Helvetica Neue"/>
                 <a:sym typeface="Helvetica Neue"/>
               </a:rPr>
-              <a:t> (real-valued samples) of length </a:t>
+              <a:t> (</a:t>
+            </a:r>
+            <a:r>
+              <a:rPr lang="en-US" sz="3600">
+                <a:solidFill>
+                  <a:srgbClr val="5E5E5E"/>
+                </a:solidFill>
+                <a:latin typeface="Helvetica Neue"/>
+                <a:ea typeface="Helvetica Neue"/>
+                <a:cs typeface="Helvetica Neue"/>
+                <a:sym typeface="Helvetica Neue"/>
+              </a:rPr>
+              <a:t>complex</a:t>
+            </a:r>
+            <a:r>
+              <a:rPr b="0" i="0" lang="en-US" sz="3600" u="none" cap="none" strike="noStrike">
+                <a:solidFill>
+                  <a:srgbClr val="5E5E5E"/>
+                </a:solidFill>
+                <a:latin typeface="Helvetica Neue"/>
+                <a:ea typeface="Helvetica Neue"/>
+                <a:cs typeface="Helvetica Neue"/>
+                <a:sym typeface="Helvetica Neue"/>
+              </a:rPr>
+              <a:t>-valued samples) of length </a:t>
             </a:r>
             <a:r>
               <a:rPr b="0" i="1" lang="en-US" sz="3600" u="none" cap="none" strike="noStrike">
@@ -19478,7 +19502,7 @@
   <a:themeElements>
     <a:clrScheme name="21_BasicWhite">
       <a:dk1>
-        <a:srgbClr val="5E5E5E"/>
+        <a:srgbClr val="000000"/>
       </a:dk1>
       <a:lt1>
         <a:srgbClr val="FFFFFF"/>
@@ -19757,7 +19781,7 @@
   <a:themeElements>
     <a:clrScheme name="21_BasicWhite">
       <a:dk1>
-        <a:srgbClr val="000000"/>
+        <a:srgbClr val="5E5E5E"/>
       </a:dk1>
       <a:lt1>
         <a:srgbClr val="FFFFFF"/>
